--- a/Presentation.pptx
+++ b/Presentation.pptx
@@ -126,10 +126,10 @@
   </p:defaultTextStyle>
   <p:extLst>
     <p:ext uri="{EFAFB233-063F-42B5-8137-9DF3F51BA10A}">
-      <p15:sldGuideLst xmlns:p15="http://schemas.microsoft.com/office/powerpoint/2012/main"/>
+      <p15:sldGuideLst xmlns:p15="http://schemas.microsoft.com/office/powerpoint/2012/main" xmlns=""/>
     </p:ext>
     <p:ext uri="{2D200454-40CA-4A62-9FC3-DE9A4176ACB9}">
-      <p15:notesGuideLst xmlns:p15="http://schemas.microsoft.com/office/powerpoint/2012/main"/>
+      <p15:notesGuideLst xmlns:p15="http://schemas.microsoft.com/office/powerpoint/2012/main" xmlns=""/>
     </p:ext>
   </p:extLst>
 </p:presentation>
@@ -217,7 +217,7 @@
           <a:p>
             <a:fld id="{043B725B-653D-4166-A8E9-72A38A1847CF}" type="datetimeFigureOut">
               <a:rPr lang="es-ES"/>
-              <a:t>03/02/2015</a:t>
+              <a:t>04/02/2015</a:t>
             </a:fld>
             <a:endParaRPr/>
           </a:p>
@@ -283,7 +283,7 @@
           <a:p>
             <a:fld id="{9E861E8E-D392-497B-BB21-122DD7C27CF3}" type="slidenum">
               <a:rPr/>
-              <a:t>‹#›</a:t>
+              <a:t>‹N°›</a:t>
             </a:fld>
             <a:endParaRPr/>
           </a:p>
@@ -382,7 +382,7 @@
           <a:p>
             <a:fld id="{783F64CD-0576-4A9A-BD06-7889D6E60BDC}" type="datetimeFigureOut">
               <a:rPr lang="es-ES"/>
-              <a:t>03/02/2015</a:t>
+              <a:t>04/02/2015</a:t>
             </a:fld>
             <a:endParaRPr/>
           </a:p>
@@ -540,7 +540,7 @@
           <a:p>
             <a:fld id="{9555D449-B875-4B8D-8E66-224D27E54C9A}" type="slidenum">
               <a:rPr/>
-              <a:t>‹#›</a:t>
+              <a:t>‹N°›</a:t>
             </a:fld>
             <a:endParaRPr/>
           </a:p>
@@ -858,7 +858,7 @@
   </p:timing>
   <p:extLst mod="1">
     <p:ext uri="{DCECCB84-F9BA-43D5-87BE-67443E8EF086}">
-      <p15:sldGuideLst xmlns:p15="http://schemas.microsoft.com/office/powerpoint/2012/main"/>
+      <p15:sldGuideLst xmlns:p15="http://schemas.microsoft.com/office/powerpoint/2012/main" xmlns=""/>
     </p:ext>
   </p:extLst>
 </p:sldLayout>
@@ -973,7 +973,7 @@
           <a:p>
             <a:fld id="{37CC0096-1860-4642-9CD2-0079EA5E7CD1}" type="datetimeFigureOut">
               <a:rPr lang="es-ES"/>
-              <a:t>03/02/2015</a:t>
+              <a:t>04/02/2015</a:t>
             </a:fld>
             <a:endParaRPr/>
           </a:p>
@@ -1015,7 +1015,7 @@
           <a:p>
             <a:fld id="{E31375A4-56A4-47D6-9801-1991572033F7}" type="slidenum">
               <a:rPr/>
-              <a:t>‹#›</a:t>
+              <a:t>‹N°›</a:t>
             </a:fld>
             <a:endParaRPr/>
           </a:p>
@@ -1229,7 +1229,7 @@
           <a:p>
             <a:fld id="{37CC0096-1860-4642-9CD2-0079EA5E7CD1}" type="datetimeFigureOut">
               <a:rPr lang="es-ES"/>
-              <a:t>03/02/2015</a:t>
+              <a:t>04/02/2015</a:t>
             </a:fld>
             <a:endParaRPr/>
           </a:p>
@@ -1271,7 +1271,7 @@
           <a:p>
             <a:fld id="{E31375A4-56A4-47D6-9801-1991572033F7}" type="slidenum">
               <a:rPr/>
-              <a:t>‹#›</a:t>
+              <a:t>‹N°›</a:t>
             </a:fld>
             <a:endParaRPr/>
           </a:p>
@@ -1422,7 +1422,7 @@
           <a:p>
             <a:fld id="{37CC0096-1860-4642-9CD2-0079EA5E7CD1}" type="datetimeFigureOut">
               <a:rPr lang="es-ES"/>
-              <a:t>03/02/2015</a:t>
+              <a:t>04/02/2015</a:t>
             </a:fld>
             <a:endParaRPr/>
           </a:p>
@@ -1464,7 +1464,7 @@
           <a:p>
             <a:fld id="{E31375A4-56A4-47D6-9801-1991572033F7}" type="slidenum">
               <a:rPr/>
-              <a:t>‹#›</a:t>
+              <a:t>‹N°›</a:t>
             </a:fld>
             <a:endParaRPr/>
           </a:p>
@@ -1967,7 +1967,7 @@
           <a:p>
             <a:fld id="{37CC0096-1860-4642-9CD2-0079EA5E7CD1}" type="datetimeFigureOut">
               <a:rPr lang="es-ES"/>
-              <a:t>03/02/2015</a:t>
+              <a:t>04/02/2015</a:t>
             </a:fld>
             <a:endParaRPr/>
           </a:p>
@@ -2009,7 +2009,7 @@
           <a:p>
             <a:fld id="{E31375A4-56A4-47D6-9801-1991572033F7}" type="slidenum">
               <a:rPr/>
-              <a:t>‹#›</a:t>
+              <a:t>‹N°›</a:t>
             </a:fld>
             <a:endParaRPr/>
           </a:p>
@@ -2431,7 +2431,7 @@
           <a:p>
             <a:fld id="{37CC0096-1860-4642-9CD2-0079EA5E7CD1}" type="datetimeFigureOut">
               <a:rPr lang="es-ES"/>
-              <a:t>03/02/2015</a:t>
+              <a:t>04/02/2015</a:t>
             </a:fld>
             <a:endParaRPr/>
           </a:p>
@@ -2473,7 +2473,7 @@
           <a:p>
             <a:fld id="{E31375A4-56A4-47D6-9801-1991572033F7}" type="slidenum">
               <a:rPr/>
-              <a:t>‹#›</a:t>
+              <a:t>‹N°›</a:t>
             </a:fld>
             <a:endParaRPr/>
           </a:p>
@@ -2568,7 +2568,7 @@
           <a:p>
             <a:fld id="{37CC0096-1860-4642-9CD2-0079EA5E7CD1}" type="datetimeFigureOut">
               <a:rPr lang="es-ES"/>
-              <a:t>03/02/2015</a:t>
+              <a:t>04/02/2015</a:t>
             </a:fld>
             <a:endParaRPr/>
           </a:p>
@@ -2610,7 +2610,7 @@
           <a:p>
             <a:fld id="{E31375A4-56A4-47D6-9801-1991572033F7}" type="slidenum">
               <a:rPr/>
-              <a:t>‹#›</a:t>
+              <a:t>‹N°›</a:t>
             </a:fld>
             <a:endParaRPr/>
           </a:p>
@@ -2682,7 +2682,7 @@
           <a:p>
             <a:fld id="{37CC0096-1860-4642-9CD2-0079EA5E7CD1}" type="datetimeFigureOut">
               <a:rPr lang="es-ES"/>
-              <a:t>03/02/2015</a:t>
+              <a:t>04/02/2015</a:t>
             </a:fld>
             <a:endParaRPr/>
           </a:p>
@@ -2724,7 +2724,7 @@
           <a:p>
             <a:fld id="{E31375A4-56A4-47D6-9801-1991572033F7}" type="slidenum">
               <a:rPr/>
-              <a:t>‹#›</a:t>
+              <a:t>‹N°›</a:t>
             </a:fld>
             <a:endParaRPr/>
           </a:p>
@@ -3676,7 +3676,7 @@
             <a:fld id="{37CC0096-1860-4642-9CD2-0079EA5E7CD1}" type="datetimeFigureOut">
               <a:rPr lang="es-ES"/>
               <a:pPr/>
-              <a:t>03/02/2015</a:t>
+              <a:t>04/02/2015</a:t>
             </a:fld>
             <a:endParaRPr/>
           </a:p>
@@ -3751,7 +3751,7 @@
             <a:fld id="{E31375A4-56A4-47D6-9801-1991572033F7}" type="slidenum">
               <a:rPr/>
               <a:pPr/>
-              <a:t>‹#›</a:t>
+              <a:t>‹N°›</a:t>
             </a:fld>
             <a:endParaRPr/>
           </a:p>
@@ -4115,7 +4115,7 @@
   </p:txStyles>
   <p:extLst mod="1">
     <p:ext uri="{27BBF7A9-308A-43DC-89C8-2F10F3537804}">
-      <p15:sldGuideLst xmlns:p15="http://schemas.microsoft.com/office/powerpoint/2012/main">
+      <p15:sldGuideLst xmlns:p15="http://schemas.microsoft.com/office/powerpoint/2012/main" xmlns="">
         <p15:guide id="1" orient="horz" pos="2160">
           <p15:clr>
             <a:srgbClr val="F26B43"/>
@@ -4278,17 +4278,7 @@
                   </a:schemeClr>
                 </a:solidFill>
               </a:rPr>
-              <a:t>Etienne </a:t>
-            </a:r>
-            <a:r>
-              <a:rPr lang="fr-FR" dirty="0" smtClean="0">
-                <a:solidFill>
-                  <a:schemeClr val="bg2">
-                    <a:lumMod val="25000"/>
-                  </a:schemeClr>
-                </a:solidFill>
-              </a:rPr>
-              <a:t>OUSS</a:t>
+              <a:t>Etienne OUSS</a:t>
             </a:r>
           </a:p>
           <a:p>
@@ -4618,7 +4608,159 @@
                 </a:schemeClr>
               </a:buClr>
             </a:pPr>
-            <a:endParaRPr lang="fr-FR" dirty="0"/>
+            <a:r>
+              <a:rPr lang="fr-FR" dirty="0" smtClean="0"/>
+              <a:t>Bases de données élargie</a:t>
+            </a:r>
+          </a:p>
+          <a:p>
+            <a:pPr>
+              <a:buClr>
+                <a:schemeClr val="tx1">
+                  <a:lumMod val="75000"/>
+                </a:schemeClr>
+              </a:buClr>
+            </a:pPr>
+            <a:r>
+              <a:rPr lang="fr-FR" dirty="0" smtClean="0"/>
+              <a:t>LPC </a:t>
+            </a:r>
+          </a:p>
+          <a:p>
+            <a:pPr lvl="1">
+              <a:buClr>
+                <a:schemeClr val="tx1">
+                  <a:lumMod val="75000"/>
+                </a:schemeClr>
+              </a:buClr>
+            </a:pPr>
+            <a:r>
+              <a:rPr lang="fr-FR" dirty="0" smtClean="0"/>
+              <a:t>résultats homogènes </a:t>
+            </a:r>
+          </a:p>
+          <a:p>
+            <a:pPr lvl="1">
+              <a:buClr>
+                <a:schemeClr val="tx1">
+                  <a:lumMod val="75000"/>
+                </a:schemeClr>
+              </a:buClr>
+            </a:pPr>
+            <a:r>
+              <a:rPr lang="fr-FR" dirty="0" smtClean="0"/>
+              <a:t>performance de l’ordre de 75%.</a:t>
+            </a:r>
+          </a:p>
+          <a:p>
+            <a:pPr>
+              <a:buClr>
+                <a:schemeClr val="tx1">
+                  <a:lumMod val="75000"/>
+                </a:schemeClr>
+              </a:buClr>
+            </a:pPr>
+            <a:r>
+              <a:rPr lang="fr-FR" dirty="0" smtClean="0"/>
+              <a:t>MFCC </a:t>
+            </a:r>
+          </a:p>
+          <a:p>
+            <a:pPr lvl="1">
+              <a:buClr>
+                <a:schemeClr val="tx1">
+                  <a:lumMod val="75000"/>
+                </a:schemeClr>
+              </a:buClr>
+            </a:pPr>
+            <a:r>
+              <a:rPr lang="fr-FR" dirty="0"/>
+              <a:t>résultats extrêmement robustes</a:t>
+            </a:r>
+          </a:p>
+          <a:p>
+            <a:pPr lvl="1">
+              <a:buClr>
+                <a:schemeClr val="tx1">
+                  <a:lumMod val="75000"/>
+                </a:schemeClr>
+              </a:buClr>
+            </a:pPr>
+            <a:r>
+              <a:rPr lang="fr-FR" dirty="0"/>
+              <a:t>seulement pour les sons suffisamment </a:t>
+            </a:r>
+            <a:r>
+              <a:rPr lang="fr-FR" dirty="0" smtClean="0"/>
+              <a:t>voisés (pas « STOP »)</a:t>
+            </a:r>
+          </a:p>
+          <a:p>
+            <a:pPr marL="228600" lvl="1" indent="0">
+              <a:buClr>
+                <a:schemeClr val="tx1">
+                  <a:lumMod val="75000"/>
+                </a:schemeClr>
+              </a:buClr>
+              <a:buNone/>
+            </a:pPr>
+            <a:r>
+              <a:rPr lang="fr-FR" dirty="0">
+                <a:sym typeface="Wingdings" pitchFamily="2" charset="2"/>
+              </a:rPr>
+              <a:t>	</a:t>
+            </a:r>
+            <a:r>
+              <a:rPr lang="fr-FR" dirty="0" smtClean="0">
+                <a:sym typeface="Wingdings" pitchFamily="2" charset="2"/>
+              </a:rPr>
+              <a:t>			</a:t>
+            </a:r>
+            <a:r>
+              <a:rPr lang="fr-FR" smtClean="0">
+                <a:sym typeface="Wingdings" pitchFamily="2" charset="2"/>
+              </a:rPr>
+              <a:t>	</a:t>
+            </a:r>
+            <a:r>
+              <a:rPr lang="fr-FR" sz="1600" i="1" smtClean="0">
+                <a:sym typeface="Wingdings" pitchFamily="2" charset="2"/>
+              </a:rPr>
+              <a:t> On pourrait détecter </a:t>
+            </a:r>
+            <a:r>
+              <a:rPr lang="fr-FR" sz="1600" i="1" dirty="0" smtClean="0">
+                <a:sym typeface="Wingdings" pitchFamily="2" charset="2"/>
+              </a:rPr>
+              <a:t>séparément ce cas particulier</a:t>
+            </a:r>
+            <a:endParaRPr lang="fr-FR" sz="1600" i="1" dirty="0" smtClean="0"/>
+          </a:p>
+          <a:p>
+            <a:pPr>
+              <a:buClr>
+                <a:schemeClr val="tx1">
+                  <a:lumMod val="75000"/>
+                </a:schemeClr>
+              </a:buClr>
+            </a:pPr>
+            <a:r>
+              <a:rPr lang="fr-FR" dirty="0" smtClean="0"/>
+              <a:t>Locuteur unique</a:t>
+            </a:r>
+          </a:p>
+          <a:p>
+            <a:pPr lvl="1">
+              <a:buClr>
+                <a:schemeClr val="tx1">
+                  <a:lumMod val="75000"/>
+                </a:schemeClr>
+              </a:buClr>
+            </a:pPr>
+            <a:r>
+              <a:rPr lang="fr-FR" dirty="0" smtClean="0"/>
+              <a:t>Les résultats sont moins convaincants avec plusieurs locuteurs</a:t>
+            </a:r>
           </a:p>
         </p:txBody>
       </p:sp>
@@ -4725,10 +4867,43 @@
                 </a:schemeClr>
               </a:buClr>
             </a:pPr>
-            <a:endParaRPr lang="fr-FR" dirty="0"/>
-          </a:p>
-        </p:txBody>
-      </p:sp>
+            <a:r>
+              <a:rPr lang="fr-FR" dirty="0" smtClean="0"/>
+              <a:t>Par le port série</a:t>
+            </a:r>
+          </a:p>
+        </p:txBody>
+      </p:sp>
+      <p:pic>
+        <p:nvPicPr>
+          <p:cNvPr id="4" name="Image 3"/>
+          <p:cNvPicPr>
+            <a:picLocks noChangeAspect="1"/>
+          </p:cNvPicPr>
+          <p:nvPr/>
+        </p:nvPicPr>
+        <p:blipFill>
+          <a:blip r:embed="rId2">
+            <a:extLst>
+              <a:ext uri="{28A0092B-C50C-407E-A947-70E740481C1C}">
+                <a14:useLocalDpi xmlns:a14="http://schemas.microsoft.com/office/drawing/2010/main" val="0"/>
+              </a:ext>
+            </a:extLst>
+          </a:blip>
+          <a:stretch>
+            <a:fillRect/>
+          </a:stretch>
+        </p:blipFill>
+        <p:spPr>
+          <a:xfrm>
+            <a:off x="8328248" y="3789040"/>
+            <a:ext cx="3144564" cy="2554610"/>
+          </a:xfrm>
+          <a:prstGeom prst="rect">
+            <a:avLst/>
+          </a:prstGeom>
+        </p:spPr>
+      </p:pic>
     </p:spTree>
     <p:extLst>
       <p:ext uri="{BB962C8B-B14F-4D97-AF65-F5344CB8AC3E}">
@@ -5132,9 +5307,96 @@
             </a:pPr>
             <a:r>
               <a:rPr lang="fr-FR" dirty="0" smtClean="0"/>
-              <a:t>Quatre consignes</a:t>
-            </a:r>
+              <a:t>Quatre </a:t>
+            </a:r>
+            <a:r>
+              <a:rPr lang="fr-FR" dirty="0" smtClean="0"/>
+              <a:t>consignes</a:t>
+            </a:r>
+          </a:p>
+          <a:p>
+            <a:pPr>
+              <a:buClr>
+                <a:schemeClr val="tx1">
+                  <a:lumMod val="75000"/>
+                </a:schemeClr>
+              </a:buClr>
+            </a:pPr>
+            <a:endParaRPr lang="fr-FR" dirty="0" smtClean="0"/>
+          </a:p>
+          <a:p>
+            <a:pPr>
+              <a:buClr>
+                <a:schemeClr val="tx1">
+                  <a:lumMod val="75000"/>
+                </a:schemeClr>
+              </a:buClr>
+            </a:pPr>
             <a:endParaRPr lang="fr-FR" dirty="0"/>
+          </a:p>
+          <a:p>
+            <a:pPr>
+              <a:buClr>
+                <a:schemeClr val="tx1">
+                  <a:lumMod val="75000"/>
+                </a:schemeClr>
+              </a:buClr>
+            </a:pPr>
+            <a:endParaRPr lang="fr-FR" dirty="0"/>
+          </a:p>
+          <a:p>
+            <a:pPr marL="0" indent="0">
+              <a:buClr>
+                <a:schemeClr val="tx1">
+                  <a:lumMod val="75000"/>
+                </a:schemeClr>
+              </a:buClr>
+              <a:buNone/>
+            </a:pPr>
+            <a:r>
+              <a:rPr lang="fr-FR" i="1" dirty="0" smtClean="0"/>
+              <a:t>Plan de la présentation :</a:t>
+            </a:r>
+          </a:p>
+          <a:p>
+            <a:pPr lvl="1">
+              <a:buClr>
+                <a:schemeClr val="tx1">
+                  <a:lumMod val="75000"/>
+                </a:schemeClr>
+              </a:buClr>
+            </a:pPr>
+            <a:r>
+              <a:rPr lang="fr-FR" i="1" dirty="0" smtClean="0"/>
+              <a:t>Les étapes de la reconnaissance vocale</a:t>
+            </a:r>
+          </a:p>
+          <a:p>
+            <a:pPr lvl="1">
+              <a:buClr>
+                <a:schemeClr val="tx1">
+                  <a:lumMod val="75000"/>
+                </a:schemeClr>
+              </a:buClr>
+            </a:pPr>
+            <a:r>
+              <a:rPr lang="fr-FR" i="1" dirty="0" smtClean="0"/>
+              <a:t>Quelques détails sur la mise en œuvre</a:t>
+            </a:r>
+          </a:p>
+          <a:p>
+            <a:pPr lvl="1">
+              <a:buClr>
+                <a:schemeClr val="tx1">
+                  <a:lumMod val="75000"/>
+                </a:schemeClr>
+              </a:buClr>
+            </a:pPr>
+            <a:r>
+              <a:rPr lang="fr-FR" i="1" dirty="0" smtClean="0"/>
+              <a:t>Résultats, performances</a:t>
+            </a:r>
+            <a:endParaRPr lang="fr-FR" i="1" dirty="0"/>
           </a:p>
         </p:txBody>
       </p:sp>
@@ -5341,6 +5603,248 @@
           </a:p>
         </p:txBody>
       </p:sp>
+      <p:sp>
+        <p:nvSpPr>
+          <p:cNvPr id="4" name="ZoneTexte 3"/>
+          <p:cNvSpPr txBox="1"/>
+          <p:nvPr/>
+        </p:nvSpPr>
+        <p:spPr>
+          <a:xfrm>
+            <a:off x="1631504" y="2420888"/>
+            <a:ext cx="2160240" cy="369332"/>
+          </a:xfrm>
+          <a:prstGeom prst="rect">
+            <a:avLst/>
+          </a:prstGeom>
+          <a:solidFill>
+            <a:schemeClr val="accent1"/>
+          </a:solidFill>
+        </p:spPr>
+        <p:txBody>
+          <a:bodyPr wrap="square" rtlCol="0">
+            <a:spAutoFit/>
+          </a:bodyPr>
+          <a:lstStyle/>
+          <a:p>
+            <a:pPr algn="ctr"/>
+            <a:r>
+              <a:rPr lang="fr-FR" dirty="0" smtClean="0"/>
+              <a:t>Signal stationnaire</a:t>
+            </a:r>
+            <a:endParaRPr lang="fr-FR" baseline="30000" dirty="0"/>
+          </a:p>
+        </p:txBody>
+      </p:sp>
+      <p:sp>
+        <p:nvSpPr>
+          <p:cNvPr id="5" name="ZoneTexte 4"/>
+          <p:cNvSpPr txBox="1"/>
+          <p:nvPr/>
+        </p:nvSpPr>
+        <p:spPr>
+          <a:xfrm>
+            <a:off x="7680176" y="2422426"/>
+            <a:ext cx="2376264" cy="369332"/>
+          </a:xfrm>
+          <a:prstGeom prst="rect">
+            <a:avLst/>
+          </a:prstGeom>
+          <a:solidFill>
+            <a:schemeClr val="accent1"/>
+          </a:solidFill>
+        </p:spPr>
+        <p:txBody>
+          <a:bodyPr wrap="square" rtlCol="0">
+            <a:spAutoFit/>
+          </a:bodyPr>
+          <a:lstStyle/>
+          <a:p>
+            <a:pPr algn="ctr"/>
+            <a:r>
+              <a:rPr lang="fr-FR" dirty="0" err="1" smtClean="0"/>
+              <a:t>F</a:t>
+            </a:r>
+            <a:r>
+              <a:rPr lang="fr-FR" baseline="-25000" dirty="0" err="1" smtClean="0"/>
+              <a:t>ech</a:t>
+            </a:r>
+            <a:r>
+              <a:rPr lang="fr-FR" dirty="0" smtClean="0"/>
+              <a:t> = 16 000 Hz</a:t>
+            </a:r>
+            <a:endParaRPr lang="fr-FR" baseline="-25000" dirty="0"/>
+          </a:p>
+        </p:txBody>
+      </p:sp>
+      <p:sp>
+        <p:nvSpPr>
+          <p:cNvPr id="6" name="ZoneTexte 5"/>
+          <p:cNvSpPr txBox="1"/>
+          <p:nvPr/>
+        </p:nvSpPr>
+        <p:spPr>
+          <a:xfrm>
+            <a:off x="4511824" y="2420096"/>
+            <a:ext cx="2232248" cy="369332"/>
+          </a:xfrm>
+          <a:prstGeom prst="rect">
+            <a:avLst/>
+          </a:prstGeom>
+          <a:solidFill>
+            <a:schemeClr val="accent1"/>
+          </a:solidFill>
+        </p:spPr>
+        <p:txBody>
+          <a:bodyPr wrap="square" rtlCol="0">
+            <a:spAutoFit/>
+          </a:bodyPr>
+          <a:lstStyle/>
+          <a:p>
+            <a:pPr algn="ctr"/>
+            <a:r>
+              <a:rPr lang="fr-FR" dirty="0" smtClean="0"/>
+              <a:t>Longueur = 2</a:t>
+            </a:r>
+            <a:r>
+              <a:rPr lang="fr-FR" baseline="30000" dirty="0" smtClean="0"/>
+              <a:t>n</a:t>
+            </a:r>
+            <a:endParaRPr lang="fr-FR" baseline="30000" dirty="0"/>
+          </a:p>
+        </p:txBody>
+      </p:sp>
+      <p:sp>
+        <p:nvSpPr>
+          <p:cNvPr id="8" name="ZoneTexte 7"/>
+          <p:cNvSpPr txBox="1"/>
+          <p:nvPr/>
+        </p:nvSpPr>
+        <p:spPr>
+          <a:xfrm>
+            <a:off x="4007768" y="4756502"/>
+            <a:ext cx="3240360" cy="369332"/>
+          </a:xfrm>
+          <a:prstGeom prst="rect">
+            <a:avLst/>
+          </a:prstGeom>
+          <a:solidFill>
+            <a:schemeClr val="accent1"/>
+          </a:solidFill>
+        </p:spPr>
+        <p:txBody>
+          <a:bodyPr wrap="square" rtlCol="0">
+            <a:spAutoFit/>
+          </a:bodyPr>
+          <a:lstStyle/>
+          <a:p>
+            <a:r>
+              <a:rPr lang="fr-FR" dirty="0" smtClean="0"/>
+              <a:t>Trames de 16ms (256 points)</a:t>
+            </a:r>
+            <a:endParaRPr lang="fr-FR" baseline="30000" dirty="0"/>
+          </a:p>
+        </p:txBody>
+      </p:sp>
+      <p:cxnSp>
+        <p:nvCxnSpPr>
+          <p:cNvPr id="10" name="Connecteur droit avec flèche 9"/>
+          <p:cNvCxnSpPr/>
+          <p:nvPr/>
+        </p:nvCxnSpPr>
+        <p:spPr>
+          <a:xfrm>
+            <a:off x="2711624" y="2791758"/>
+            <a:ext cx="1584176" cy="1789370"/>
+          </a:xfrm>
+          <a:prstGeom prst="straightConnector1">
+            <a:avLst/>
+          </a:prstGeom>
+          <a:ln>
+            <a:tailEnd type="arrow"/>
+          </a:ln>
+        </p:spPr>
+        <p:style>
+          <a:lnRef idx="1">
+            <a:schemeClr val="accent1"/>
+          </a:lnRef>
+          <a:fillRef idx="0">
+            <a:schemeClr val="accent1"/>
+          </a:fillRef>
+          <a:effectRef idx="0">
+            <a:schemeClr val="accent1"/>
+          </a:effectRef>
+          <a:fontRef idx="minor">
+            <a:schemeClr val="tx1"/>
+          </a:fontRef>
+        </p:style>
+      </p:cxnSp>
+      <p:cxnSp>
+        <p:nvCxnSpPr>
+          <p:cNvPr id="11" name="Connecteur droit avec flèche 10"/>
+          <p:cNvCxnSpPr/>
+          <p:nvPr/>
+        </p:nvCxnSpPr>
+        <p:spPr>
+          <a:xfrm flipH="1">
+            <a:off x="7032104" y="2791758"/>
+            <a:ext cx="1800200" cy="1789370"/>
+          </a:xfrm>
+          <a:prstGeom prst="straightConnector1">
+            <a:avLst/>
+          </a:prstGeom>
+          <a:ln>
+            <a:tailEnd type="arrow"/>
+          </a:ln>
+        </p:spPr>
+        <p:style>
+          <a:lnRef idx="1">
+            <a:schemeClr val="accent1"/>
+          </a:lnRef>
+          <a:fillRef idx="0">
+            <a:schemeClr val="accent1"/>
+          </a:fillRef>
+          <a:effectRef idx="0">
+            <a:schemeClr val="accent1"/>
+          </a:effectRef>
+          <a:fontRef idx="minor">
+            <a:schemeClr val="tx1"/>
+          </a:fontRef>
+        </p:style>
+      </p:cxnSp>
+      <p:cxnSp>
+        <p:nvCxnSpPr>
+          <p:cNvPr id="12" name="Connecteur droit avec flèche 11"/>
+          <p:cNvCxnSpPr/>
+          <p:nvPr/>
+        </p:nvCxnSpPr>
+        <p:spPr>
+          <a:xfrm>
+            <a:off x="5572184" y="2791758"/>
+            <a:ext cx="0" cy="1789370"/>
+          </a:xfrm>
+          <a:prstGeom prst="straightConnector1">
+            <a:avLst/>
+          </a:prstGeom>
+          <a:ln>
+            <a:tailEnd type="arrow"/>
+          </a:ln>
+        </p:spPr>
+        <p:style>
+          <a:lnRef idx="1">
+            <a:schemeClr val="accent1"/>
+          </a:lnRef>
+          <a:fillRef idx="0">
+            <a:schemeClr val="accent1"/>
+          </a:fillRef>
+          <a:effectRef idx="0">
+            <a:schemeClr val="accent1"/>
+          </a:effectRef>
+          <a:fontRef idx="minor">
+            <a:schemeClr val="tx1"/>
+          </a:fontRef>
+        </p:style>
+      </p:cxnSp>
     </p:spTree>
     <p:extLst>
       <p:ext uri="{BB962C8B-B14F-4D97-AF65-F5344CB8AC3E}">
@@ -5444,10 +5948,72 @@
                 </a:schemeClr>
               </a:buClr>
             </a:pPr>
-            <a:endParaRPr lang="fr-FR" dirty="0"/>
-          </a:p>
-        </p:txBody>
-      </p:sp>
+            <a:r>
+              <a:rPr lang="fr-FR" dirty="0" smtClean="0"/>
+              <a:t>Coefficients de prédiction linéaire (LPC)</a:t>
+            </a:r>
+          </a:p>
+          <a:p>
+            <a:pPr>
+              <a:buClr>
+                <a:schemeClr val="tx1">
+                  <a:lumMod val="75000"/>
+                </a:schemeClr>
+              </a:buClr>
+            </a:pPr>
+            <a:r>
+              <a:rPr lang="fr-FR" dirty="0" smtClean="0"/>
+              <a:t>Mel </a:t>
+            </a:r>
+            <a:r>
+              <a:rPr lang="fr-FR" dirty="0" err="1" smtClean="0"/>
+              <a:t>Filter</a:t>
+            </a:r>
+            <a:r>
+              <a:rPr lang="fr-FR" dirty="0" smtClean="0"/>
+              <a:t> </a:t>
+            </a:r>
+            <a:r>
+              <a:rPr lang="fr-FR" dirty="0" err="1" smtClean="0"/>
+              <a:t>Cepstral</a:t>
+            </a:r>
+            <a:r>
+              <a:rPr lang="fr-FR" dirty="0" smtClean="0"/>
+              <a:t> Coefficients (MFCC)</a:t>
+            </a:r>
+          </a:p>
+        </p:txBody>
+      </p:sp>
+      <p:pic>
+        <p:nvPicPr>
+          <p:cNvPr id="5" name="Image 4"/>
+          <p:cNvPicPr>
+            <a:picLocks noChangeAspect="1"/>
+          </p:cNvPicPr>
+          <p:nvPr/>
+        </p:nvPicPr>
+        <p:blipFill>
+          <a:blip r:embed="rId2">
+            <a:extLst>
+              <a:ext uri="{28A0092B-C50C-407E-A947-70E740481C1C}">
+                <a14:useLocalDpi xmlns:a14="http://schemas.microsoft.com/office/drawing/2010/main" val="0"/>
+              </a:ext>
+            </a:extLst>
+          </a:blip>
+          <a:stretch>
+            <a:fillRect/>
+          </a:stretch>
+        </p:blipFill>
+        <p:spPr>
+          <a:xfrm>
+            <a:off x="7464152" y="3284984"/>
+            <a:ext cx="3000375" cy="3143250"/>
+          </a:xfrm>
+          <a:prstGeom prst="rect">
+            <a:avLst/>
+          </a:prstGeom>
+        </p:spPr>
+      </p:pic>
     </p:spTree>
     <p:extLst>
       <p:ext uri="{BB962C8B-B14F-4D97-AF65-F5344CB8AC3E}">
@@ -5540,7 +6106,7 @@
         </p:spPr>
         <p:txBody>
           <a:bodyPr>
-            <a:normAutofit/>
+            <a:normAutofit lnSpcReduction="10000"/>
           </a:bodyPr>
           <a:lstStyle/>
           <a:p>
@@ -5553,8 +6119,26 @@
             </a:pPr>
             <a:r>
               <a:rPr lang="fr-FR" dirty="0" smtClean="0"/>
-              <a:t>Distance locale</a:t>
-            </a:r>
+              <a:t>Distance </a:t>
+            </a:r>
+            <a:r>
+              <a:rPr lang="fr-FR" dirty="0" smtClean="0"/>
+              <a:t>locale</a:t>
+            </a:r>
+          </a:p>
+          <a:p>
+            <a:pPr lvl="1">
+              <a:buClr>
+                <a:schemeClr val="tx1">
+                  <a:lumMod val="75000"/>
+                </a:schemeClr>
+              </a:buClr>
+            </a:pPr>
+            <a:r>
+              <a:rPr lang="fr-FR" dirty="0" smtClean="0"/>
+              <a:t>Distance euclidienne entre les vecteurs de descripteurs</a:t>
+            </a:r>
+            <a:endParaRPr lang="fr-FR" dirty="0" smtClean="0"/>
           </a:p>
           <a:p>
             <a:pPr>
@@ -5566,8 +6150,97 @@
             </a:pPr>
             <a:r>
               <a:rPr lang="fr-FR" dirty="0" smtClean="0"/>
-              <a:t>Distance globale</a:t>
-            </a:r>
+              <a:t>Distance </a:t>
+            </a:r>
+            <a:r>
+              <a:rPr lang="fr-FR" dirty="0" smtClean="0"/>
+              <a:t>globale : DTW</a:t>
+            </a:r>
+          </a:p>
+          <a:p>
+            <a:pPr lvl="1">
+              <a:buClr>
+                <a:schemeClr val="tx1">
+                  <a:lumMod val="75000"/>
+                </a:schemeClr>
+              </a:buClr>
+            </a:pPr>
+            <a:r>
+              <a:rPr lang="fr-FR" dirty="0" smtClean="0"/>
+              <a:t>Tableau des distances trame à trame </a:t>
+            </a:r>
+            <a:r>
+              <a:rPr lang="fr-FR" u="sng" dirty="0" smtClean="0"/>
+              <a:t>dans l’ordre</a:t>
+            </a:r>
+          </a:p>
+          <a:p>
+            <a:pPr lvl="1">
+              <a:buClr>
+                <a:schemeClr val="tx1">
+                  <a:lumMod val="75000"/>
+                </a:schemeClr>
+              </a:buClr>
+            </a:pPr>
+            <a:r>
+              <a:rPr lang="fr-FR" dirty="0" smtClean="0"/>
+              <a:t>Plus faible distance cumulée pour un parcours de toute la matrice</a:t>
+            </a:r>
+          </a:p>
+          <a:p>
+            <a:pPr marL="228600" lvl="1" indent="0">
+              <a:buClr>
+                <a:schemeClr val="tx1">
+                  <a:lumMod val="75000"/>
+                </a:schemeClr>
+              </a:buClr>
+              <a:buNone/>
+            </a:pPr>
+            <a:endParaRPr lang="fr-FR" dirty="0" smtClean="0"/>
+          </a:p>
+          <a:p>
+            <a:pPr marL="228600" lvl="1" indent="0">
+              <a:buClr>
+                <a:schemeClr val="tx1">
+                  <a:lumMod val="75000"/>
+                </a:schemeClr>
+              </a:buClr>
+              <a:buNone/>
+            </a:pPr>
+            <a:endParaRPr lang="fr-FR" dirty="0"/>
+          </a:p>
+          <a:p>
+            <a:pPr marL="228600" lvl="1" indent="0">
+              <a:buClr>
+                <a:schemeClr val="tx1">
+                  <a:lumMod val="75000"/>
+                </a:schemeClr>
+              </a:buClr>
+              <a:buNone/>
+            </a:pPr>
+            <a:endParaRPr lang="fr-FR" dirty="0" smtClean="0"/>
+          </a:p>
+          <a:p>
+            <a:pPr marL="228600" lvl="1" indent="0">
+              <a:buClr>
+                <a:schemeClr val="tx1">
+                  <a:lumMod val="75000"/>
+                </a:schemeClr>
+              </a:buClr>
+              <a:buNone/>
+            </a:pPr>
+            <a:endParaRPr lang="fr-FR" dirty="0"/>
+          </a:p>
+          <a:p>
+            <a:pPr marL="228600" lvl="1" indent="0">
+              <a:buClr>
+                <a:schemeClr val="tx1">
+                  <a:lumMod val="75000"/>
+                </a:schemeClr>
+              </a:buClr>
+              <a:buNone/>
+            </a:pPr>
+            <a:endParaRPr lang="fr-FR" dirty="0" smtClean="0"/>
           </a:p>
           <a:p>
             <a:pPr>
@@ -5581,10 +6254,151 @@
               <a:rPr lang="fr-FR" dirty="0" smtClean="0"/>
               <a:t>Normalisation</a:t>
             </a:r>
+          </a:p>
+          <a:p>
+            <a:pPr lvl="1">
+              <a:buClr>
+                <a:schemeClr val="tx1">
+                  <a:lumMod val="75000"/>
+                </a:schemeClr>
+              </a:buClr>
+            </a:pPr>
+            <a:r>
+              <a:rPr lang="fr-FR" dirty="0" smtClean="0"/>
+              <a:t>On rapporte la distance cumulée à la longueur des morceaux comparés</a:t>
+            </a:r>
             <a:endParaRPr lang="fr-FR" dirty="0"/>
           </a:p>
         </p:txBody>
       </p:sp>
+      <p:pic>
+        <p:nvPicPr>
+          <p:cNvPr id="1025" name="Picture 1"/>
+          <p:cNvPicPr>
+            <a:picLocks noChangeAspect="1" noChangeArrowheads="1"/>
+          </p:cNvPicPr>
+          <p:nvPr/>
+        </p:nvPicPr>
+        <p:blipFill>
+          <a:blip r:embed="rId2">
+            <a:extLst>
+              <a:ext uri="{28A0092B-C50C-407E-A947-70E740481C1C}">
+                <a14:useLocalDpi xmlns:a14="http://schemas.microsoft.com/office/drawing/2010/main" val="0"/>
+              </a:ext>
+            </a:extLst>
+          </a:blip>
+          <a:srcRect/>
+          <a:stretch>
+            <a:fillRect/>
+          </a:stretch>
+        </p:blipFill>
+        <p:spPr bwMode="auto">
+          <a:xfrm>
+            <a:off x="3942216" y="3712687"/>
+            <a:ext cx="1948562" cy="1948562"/>
+          </a:xfrm>
+          <a:prstGeom prst="rect">
+            <a:avLst/>
+          </a:prstGeom>
+          <a:noFill/>
+          <a:ln>
+            <a:noFill/>
+          </a:ln>
+          <a:effectLst/>
+          <a:extLst>
+            <a:ext uri="{909E8E84-426E-40DD-AFC4-6F175D3DCCD1}">
+              <a14:hiddenFill xmlns:a14="http://schemas.microsoft.com/office/drawing/2010/main">
+                <a:solidFill>
+                  <a:schemeClr val="accent1"/>
+                </a:solidFill>
+              </a14:hiddenFill>
+            </a:ext>
+            <a:ext uri="{91240B29-F687-4F45-9708-019B960494DF}">
+              <a14:hiddenLine xmlns:a14="http://schemas.microsoft.com/office/drawing/2010/main" w="9525">
+                <a:solidFill>
+                  <a:schemeClr val="tx1"/>
+                </a:solidFill>
+                <a:miter lim="800000"/>
+                <a:headEnd/>
+                <a:tailEnd/>
+              </a14:hiddenLine>
+            </a:ext>
+            <a:ext uri="{AF507438-7753-43E0-B8FC-AC1667EBCBE1}">
+              <a14:hiddenEffects xmlns:a14="http://schemas.microsoft.com/office/drawing/2010/main">
+                <a:effectLst>
+                  <a:outerShdw dist="35921" dir="2700000" algn="ctr" rotWithShape="0">
+                    <a:schemeClr val="bg2"/>
+                  </a:outerShdw>
+                </a:effectLst>
+              </a14:hiddenEffects>
+            </a:ext>
+          </a:extLst>
+        </p:spPr>
+      </p:pic>
+      <p:pic>
+        <p:nvPicPr>
+          <p:cNvPr id="1026" name="Picture 2"/>
+          <p:cNvPicPr>
+            <a:picLocks noChangeAspect="1" noChangeArrowheads="1"/>
+          </p:cNvPicPr>
+          <p:nvPr/>
+        </p:nvPicPr>
+        <p:blipFill>
+          <a:blip r:embed="rId3">
+            <a:extLst>
+              <a:ext uri="{28A0092B-C50C-407E-A947-70E740481C1C}">
+                <a14:useLocalDpi xmlns:a14="http://schemas.microsoft.com/office/drawing/2010/main" val="0"/>
+              </a:ext>
+            </a:extLst>
+          </a:blip>
+          <a:srcRect/>
+          <a:stretch>
+            <a:fillRect/>
+          </a:stretch>
+        </p:blipFill>
+        <p:spPr bwMode="auto">
+          <a:xfrm>
+            <a:off x="6664308" y="3712687"/>
+            <a:ext cx="1948562" cy="1948562"/>
+          </a:xfrm>
+          <a:prstGeom prst="rect">
+            <a:avLst/>
+          </a:prstGeom>
+          <a:noFill/>
+          <a:ln>
+            <a:noFill/>
+          </a:ln>
+          <a:effectLst/>
+          <a:extLst>
+            <a:ext uri="{909E8E84-426E-40DD-AFC4-6F175D3DCCD1}">
+              <a14:hiddenFill xmlns:a14="http://schemas.microsoft.com/office/drawing/2010/main">
+                <a:solidFill>
+                  <a:schemeClr val="accent1"/>
+                </a:solidFill>
+              </a14:hiddenFill>
+            </a:ext>
+            <a:ext uri="{91240B29-F687-4F45-9708-019B960494DF}">
+              <a14:hiddenLine xmlns:a14="http://schemas.microsoft.com/office/drawing/2010/main" w="9525">
+                <a:solidFill>
+                  <a:schemeClr val="tx1"/>
+                </a:solidFill>
+                <a:miter lim="800000"/>
+                <a:headEnd/>
+                <a:tailEnd/>
+              </a14:hiddenLine>
+            </a:ext>
+            <a:ext uri="{AF507438-7753-43E0-B8FC-AC1667EBCBE1}">
+              <a14:hiddenEffects xmlns:a14="http://schemas.microsoft.com/office/drawing/2010/main">
+                <a:effectLst>
+                  <a:outerShdw dist="35921" dir="2700000" algn="ctr" rotWithShape="0">
+                    <a:schemeClr val="bg2"/>
+                  </a:outerShdw>
+                </a:effectLst>
+              </a14:hiddenEffects>
+            </a:ext>
+          </a:extLst>
+        </p:spPr>
+      </p:pic>
     </p:spTree>
     <p:extLst>
       <p:ext uri="{BB962C8B-B14F-4D97-AF65-F5344CB8AC3E}">
@@ -5688,6 +6502,90 @@
                 </a:schemeClr>
               </a:buClr>
             </a:pPr>
+            <a:r>
+              <a:rPr lang="fr-FR" dirty="0" smtClean="0"/>
+              <a:t>Méthode inspirée de l’algorithme des k plus proches voisins</a:t>
+            </a:r>
+          </a:p>
+          <a:p>
+            <a:pPr lvl="0">
+              <a:buClr>
+                <a:schemeClr val="tx1">
+                  <a:lumMod val="75000"/>
+                </a:schemeClr>
+              </a:buClr>
+            </a:pPr>
+            <a:r>
+              <a:rPr lang="fr-FR" dirty="0"/>
+              <a:t>On </a:t>
+            </a:r>
+            <a:r>
+              <a:rPr lang="fr-FR" dirty="0" smtClean="0"/>
+              <a:t>enregistre </a:t>
+            </a:r>
+            <a:r>
+              <a:rPr lang="fr-FR" dirty="0"/>
+              <a:t>les classes des </a:t>
+            </a:r>
+            <a:r>
+              <a:rPr lang="fr-FR" dirty="0" smtClean="0"/>
+              <a:t>exemples de la base par </a:t>
+            </a:r>
+            <a:r>
+              <a:rPr lang="fr-FR" dirty="0"/>
+              <a:t>ordre de proximité jusqu'à obtenir </a:t>
+            </a:r>
+            <a:r>
+              <a:rPr lang="fr-FR" dirty="0" smtClean="0"/>
+              <a:t>k </a:t>
+            </a:r>
+            <a:r>
+              <a:rPr lang="fr-FR" dirty="0"/>
+              <a:t>voisins de la même classe. </a:t>
+            </a:r>
+            <a:endParaRPr lang="fr-FR" dirty="0" smtClean="0"/>
+          </a:p>
+          <a:p>
+            <a:pPr lvl="0">
+              <a:buClr>
+                <a:schemeClr val="tx1">
+                  <a:lumMod val="75000"/>
+                </a:schemeClr>
+              </a:buClr>
+            </a:pPr>
+            <a:r>
+              <a:rPr lang="fr-FR" dirty="0" smtClean="0"/>
+              <a:t>k grand </a:t>
+            </a:r>
+            <a:r>
+              <a:rPr lang="fr-FR" dirty="0" smtClean="0">
+                <a:sym typeface="Wingdings" pitchFamily="2" charset="2"/>
+              </a:rPr>
+              <a:t> </a:t>
+            </a:r>
+            <a:r>
+              <a:rPr lang="fr-FR" dirty="0" smtClean="0"/>
+              <a:t>résultats très robustes.</a:t>
+            </a:r>
+          </a:p>
+          <a:p>
+            <a:pPr lvl="0">
+              <a:buClr>
+                <a:schemeClr val="tx1">
+                  <a:lumMod val="75000"/>
+                </a:schemeClr>
+              </a:buClr>
+            </a:pPr>
+            <a:r>
+              <a:rPr lang="fr-FR" dirty="0" smtClean="0"/>
+              <a:t>k petit </a:t>
+            </a:r>
+            <a:r>
+              <a:rPr lang="fr-FR" dirty="0" smtClean="0">
+                <a:sym typeface="Wingdings" pitchFamily="2" charset="2"/>
+              </a:rPr>
+              <a:t> plus adapté à des bases de données peu fournies</a:t>
+            </a:r>
             <a:endParaRPr lang="fr-FR" dirty="0"/>
           </a:p>
         </p:txBody>
@@ -5763,7 +6661,11 @@
           <a:p>
             <a:r>
               <a:rPr lang="fr-FR" noProof="1" smtClean="0"/>
-              <a:t>Quelques détails sur notre méthode</a:t>
+              <a:t>Quelques détails sur </a:t>
+            </a:r>
+            <a:r>
+              <a:rPr lang="fr-FR" noProof="1" smtClean="0"/>
+              <a:t>la mise en oeuvre</a:t>
             </a:r>
             <a:endParaRPr lang="fr-FR" noProof="1"/>
           </a:p>
@@ -5892,10 +6794,61 @@
               </a:buClr>
             </a:pPr>
             <a:r>
+              <a:rPr lang="fr-FR" dirty="0"/>
+              <a:t>Détermination des paramètres</a:t>
+            </a:r>
+          </a:p>
+          <a:p>
+            <a:pPr lvl="1">
+              <a:buClr>
+                <a:schemeClr val="tx1">
+                  <a:lumMod val="75000"/>
+                </a:schemeClr>
+              </a:buClr>
+            </a:pPr>
+            <a:r>
+              <a:rPr lang="fr-FR" dirty="0"/>
+              <a:t>Ordre des LPC</a:t>
+            </a:r>
+          </a:p>
+          <a:p>
+            <a:pPr lvl="1">
+              <a:buClr>
+                <a:schemeClr val="tx1">
+                  <a:lumMod val="75000"/>
+                </a:schemeClr>
+              </a:buClr>
+            </a:pPr>
+            <a:r>
+              <a:rPr lang="fr-FR" dirty="0"/>
+              <a:t>Nombre de MFCC</a:t>
+            </a:r>
+          </a:p>
+          <a:p>
+            <a:pPr lvl="1">
+              <a:buClr>
+                <a:schemeClr val="tx1">
+                  <a:lumMod val="75000"/>
+                </a:schemeClr>
+              </a:buClr>
+            </a:pPr>
+            <a:r>
+              <a:rPr lang="fr-FR" dirty="0"/>
+              <a:t>Paramètre k de l’algorithme de classification</a:t>
+            </a:r>
+          </a:p>
+          <a:p>
+            <a:pPr>
+              <a:buClr>
+                <a:schemeClr val="tx1">
+                  <a:lumMod val="75000"/>
+                </a:schemeClr>
+              </a:buClr>
+            </a:pPr>
+            <a:r>
               <a:rPr lang="fr-FR" dirty="0" smtClean="0"/>
-              <a:t>Détermination des paramètres</a:t>
-            </a:r>
-            <a:endParaRPr lang="fr-FR" dirty="0"/>
+              <a:t>Validation de l’efficacité des descripteurs</a:t>
+            </a:r>
           </a:p>
         </p:txBody>
       </p:sp>
@@ -6186,7 +7139,7 @@
   <a:extraClrSchemeLst/>
   <a:extLst>
     <a:ext uri="{05A4C25C-085E-4340-85A3-A5531E510DB2}">
-      <thm15:themeFamily xmlns:thm15="http://schemas.microsoft.com/office/thememl/2012/main" name="O15_4109default" id="{E728D685-11FC-4812-BA85-57AC6F9C9F40}" vid="{BC4E008B-95FF-4815-904E-143A8EDFC1D4}"/>
+      <thm15:themeFamily xmlns:thm15="http://schemas.microsoft.com/office/thememl/2012/main" xmlns="" name="O15_4109default" id="{E728D685-11FC-4812-BA85-57AC6F9C9F40}" vid="{BC4E008B-95FF-4815-904E-143A8EDFC1D4}"/>
     </a:ext>
   </a:extLst>
 </a:theme>
@@ -6447,7 +7400,7 @@
   <a:extraClrSchemeLst/>
   <a:extLst>
     <a:ext uri="{05A4C25C-085E-4340-85A3-A5531E510DB2}">
-      <thm15:themeFamily xmlns:thm15="http://schemas.microsoft.com/office/thememl/2012/main" name="Office Theme" id="{62F939B6-93AF-4DB8-9C6B-D6C7DFDC589F}" vid="{4A3C46E8-61CC-4603-A589-7422A47A8E4A}"/>
+      <thm15:themeFamily xmlns:thm15="http://schemas.microsoft.com/office/thememl/2012/main" xmlns="" name="Office Theme" id="{62F939B6-93AF-4DB8-9C6B-D6C7DFDC589F}" vid="{4A3C46E8-61CC-4603-A589-7422A47A8E4A}"/>
     </a:ext>
   </a:extLst>
 </a:theme>
@@ -6708,7 +7661,7 @@
   <a:extraClrSchemeLst/>
   <a:extLst>
     <a:ext uri="{05A4C25C-085E-4340-85A3-A5531E510DB2}">
-      <thm15:themeFamily xmlns:thm15="http://schemas.microsoft.com/office/thememl/2012/main" name="Office Theme" id="{62F939B6-93AF-4DB8-9C6B-D6C7DFDC589F}" vid="{4A3C46E8-61CC-4603-A589-7422A47A8E4A}"/>
+      <thm15:themeFamily xmlns:thm15="http://schemas.microsoft.com/office/thememl/2012/main" xmlns="" name="Office Theme" id="{62F939B6-93AF-4DB8-9C6B-D6C7DFDC589F}" vid="{4A3C46E8-61CC-4603-A589-7422A47A8E4A}"/>
     </a:ext>
   </a:extLst>
 </a:theme>
